--- a/Problem/Controls Lecture Electro Turbine.pptx
+++ b/Problem/Controls Lecture Electro Turbine.pptx
@@ -63,19 +63,19 @@
   <p:notesSz cx="7010400" cy="9296400"/>
   <p:embeddedFontLst>
     <p:embeddedFont>
-      <p:font typeface="Cambria Math" panose="02040503050406030204" pitchFamily="18" charset="0"/>
+      <p:font typeface="Verdana" panose="020B0604030504040204" pitchFamily="34" charset="0"/>
       <p:regular r:id="rId51"/>
+      <p:bold r:id="rId52"/>
+      <p:italic r:id="rId53"/>
+      <p:boldItalic r:id="rId54"/>
     </p:embeddedFont>
     <p:embeddedFont>
       <p:font typeface="msbm10" panose="020B0604020202020204"/>
-      <p:regular r:id="rId52"/>
+      <p:regular r:id="rId55"/>
     </p:embeddedFont>
     <p:embeddedFont>
-      <p:font typeface="Verdana" panose="020B0604030504040204" pitchFamily="34" charset="0"/>
-      <p:regular r:id="rId53"/>
-      <p:bold r:id="rId54"/>
-      <p:italic r:id="rId55"/>
-      <p:boldItalic r:id="rId56"/>
+      <p:font typeface="Cambria Math" panose="02040503050406030204" pitchFamily="18" charset="0"/>
+      <p:regular r:id="rId56"/>
     </p:embeddedFont>
   </p:embeddedFontLst>
   <p:custDataLst>
@@ -208,7 +208,7 @@
   </p:defaultTextStyle>
   <p:extLst>
     <p:ext uri="{EFAFB233-063F-42B5-8137-9DF3F51BA10A}">
-      <p15:sldGuideLst xmlns="" xmlns:p15="http://schemas.microsoft.com/office/powerpoint/2012/main">
+      <p15:sldGuideLst xmlns:p15="http://schemas.microsoft.com/office/powerpoint/2012/main" xmlns="">
         <p15:guide id="1" orient="horz" pos="2160">
           <p15:clr>
             <a:srgbClr val="A4A3A4"/>
@@ -222,7 +222,7 @@
       </p15:sldGuideLst>
     </p:ext>
     <p:ext uri="{2D200454-40CA-4A62-9FC3-DE9A4176ACB9}">
-      <p15:notesGuideLst xmlns="" xmlns:p15="http://schemas.microsoft.com/office/powerpoint/2012/main">
+      <p15:notesGuideLst xmlns:p15="http://schemas.microsoft.com/office/powerpoint/2012/main" xmlns="">
         <p15:guide id="1" orient="horz" pos="2928">
           <p15:clr>
             <a:srgbClr val="A4A3A4"/>
@@ -8923,8 +8923,8 @@
           </a:p>
         </p:txBody>
       </p:sp>
-      <mc:AlternateContent xmlns:mc="http://schemas.openxmlformats.org/markup-compatibility/2006" xmlns:a14="http://schemas.microsoft.com/office/drawing/2010/main">
-        <mc:Choice Requires="a14">
+      <mc:AlternateContent xmlns:mc="http://schemas.openxmlformats.org/markup-compatibility/2006">
+        <mc:Choice xmlns:a14="http://schemas.microsoft.com/office/drawing/2010/main" Requires="a14">
           <p:sp>
             <p:nvSpPr>
               <p:cNvPr id="5" name="TextBox 4"/>
@@ -8947,6 +8947,7 @@
               </a:bodyPr>
               <a:lstStyle/>
               <a:p>
+                <a:pPr/>
                 <a14:m>
                   <m:oMath xmlns:m="http://schemas.openxmlformats.org/officeDocument/2006/math">
                     <m:sSub>
@@ -9288,12 +9289,14 @@
                 </a:r>
               </a:p>
               <a:p>
+                <a:pPr/>
                 <a:r>
                   <a:rPr lang="en-US" dirty="0" smtClean="0"/>
                   <a:t>Where</a:t>
                 </a:r>
               </a:p>
               <a:p>
+                <a:pPr/>
                 <a14:m>
                   <m:oMath xmlns:m="http://schemas.openxmlformats.org/officeDocument/2006/math">
                     <m:sSub>
@@ -9335,6 +9338,7 @@
                 </a:r>
               </a:p>
               <a:p>
+                <a:pPr/>
                 <a14:m>
                   <m:oMath xmlns:m="http://schemas.openxmlformats.org/officeDocument/2006/math">
                     <m:r>
@@ -9351,18 +9355,21 @@
                 </a:r>
               </a:p>
               <a:p>
+                <a:pPr/>
                 <a:r>
                   <a:rPr lang="en-US" dirty="0" smtClean="0"/>
                   <a:t>D 	= turbine tip diameter, m,</a:t>
                 </a:r>
               </a:p>
               <a:p>
+                <a:pPr/>
                 <a:r>
                   <a:rPr lang="en-US" dirty="0" smtClean="0"/>
                   <a:t>A 	= turbine flow area, m^2,</a:t>
                 </a:r>
               </a:p>
               <a:p>
+                <a:pPr/>
                 <a14:m>
                   <m:oMath xmlns:m="http://schemas.openxmlformats.org/officeDocument/2006/math">
                     <m:sSub>
@@ -9398,6 +9405,7 @@
                 </a:r>
               </a:p>
               <a:p>
+                <a:pPr/>
                 <a14:m>
                   <m:oMath xmlns:m="http://schemas.openxmlformats.org/officeDocument/2006/math">
                     <m:r>
@@ -9480,7 +9488,7 @@
             </p:txBody>
           </p:sp>
         </mc:Choice>
-        <mc:Fallback xmlns="">
+        <mc:Fallback>
           <p:sp>
             <p:nvSpPr>
               <p:cNvPr id="5" name="TextBox 4"/>
@@ -9519,8 +9527,8 @@
           </p:sp>
         </mc:Fallback>
       </mc:AlternateContent>
-      <mc:AlternateContent xmlns:mc="http://schemas.openxmlformats.org/markup-compatibility/2006" xmlns:a14="http://schemas.microsoft.com/office/drawing/2010/main">
-        <mc:Choice Requires="a14">
+      <mc:AlternateContent xmlns:mc="http://schemas.openxmlformats.org/markup-compatibility/2006">
+        <mc:Choice xmlns:a14="http://schemas.microsoft.com/office/drawing/2010/main" Requires="a14">
           <p:sp>
             <p:nvSpPr>
               <p:cNvPr id="6" name="TextBox 5"/>
@@ -9803,7 +9811,7 @@
             </p:txBody>
           </p:sp>
         </mc:Choice>
-        <mc:Fallback xmlns="">
+        <mc:Fallback>
           <p:sp>
             <p:nvSpPr>
               <p:cNvPr id="6" name="TextBox 5"/>
@@ -9842,8 +9850,8 @@
           </p:sp>
         </mc:Fallback>
       </mc:AlternateContent>
-      <mc:AlternateContent xmlns:mc="http://schemas.openxmlformats.org/markup-compatibility/2006" xmlns:a14="http://schemas.microsoft.com/office/drawing/2010/main">
-        <mc:Choice Requires="a14">
+      <mc:AlternateContent xmlns:mc="http://schemas.openxmlformats.org/markup-compatibility/2006">
+        <mc:Choice xmlns:a14="http://schemas.microsoft.com/office/drawing/2010/main" Requires="a14">
           <p:sp>
             <p:nvSpPr>
               <p:cNvPr id="7" name="TextBox 6"/>
@@ -10042,7 +10050,7 @@
             </p:txBody>
           </p:sp>
         </mc:Choice>
-        <mc:Fallback xmlns="">
+        <mc:Fallback>
           <p:sp>
             <p:nvSpPr>
               <p:cNvPr id="7" name="TextBox 6"/>
@@ -10081,8 +10089,8 @@
           </p:sp>
         </mc:Fallback>
       </mc:AlternateContent>
-      <mc:AlternateContent xmlns:mc="http://schemas.openxmlformats.org/markup-compatibility/2006" xmlns:a14="http://schemas.microsoft.com/office/drawing/2010/main">
-        <mc:Choice Requires="a14">
+      <mc:AlternateContent xmlns:mc="http://schemas.openxmlformats.org/markup-compatibility/2006">
+        <mc:Choice xmlns:a14="http://schemas.microsoft.com/office/drawing/2010/main" Requires="a14">
           <p:sp>
             <p:nvSpPr>
               <p:cNvPr id="8" name="Rectangle 7"/>
@@ -10104,6 +10112,7 @@
               </a:bodyPr>
               <a:lstStyle/>
               <a:p>
+                <a:pPr/>
                 <a14:m>
                   <m:oMath xmlns:m="http://schemas.openxmlformats.org/officeDocument/2006/math">
                     <m:f>
@@ -10243,7 +10252,7 @@
             </p:txBody>
           </p:sp>
         </mc:Choice>
-        <mc:Fallback xmlns="">
+        <mc:Fallback>
           <p:sp>
             <p:nvSpPr>
               <p:cNvPr id="8" name="Rectangle 7"/>
@@ -10282,8 +10291,8 @@
           </p:sp>
         </mc:Fallback>
       </mc:AlternateContent>
-      <mc:AlternateContent xmlns:mc="http://schemas.openxmlformats.org/markup-compatibility/2006" xmlns:a14="http://schemas.microsoft.com/office/drawing/2010/main">
-        <mc:Choice Requires="a14">
+      <mc:AlternateContent xmlns:mc="http://schemas.openxmlformats.org/markup-compatibility/2006">
+        <mc:Choice xmlns:a14="http://schemas.microsoft.com/office/drawing/2010/main" Requires="a14">
           <p:sp>
             <p:nvSpPr>
               <p:cNvPr id="9" name="TextBox 8"/>
@@ -10729,7 +10738,7 @@
             </p:txBody>
           </p:sp>
         </mc:Choice>
-        <mc:Fallback xmlns="">
+        <mc:Fallback>
           <p:sp>
             <p:nvSpPr>
               <p:cNvPr id="9" name="TextBox 8"/>
@@ -10768,8 +10777,8 @@
           </p:sp>
         </mc:Fallback>
       </mc:AlternateContent>
-      <mc:AlternateContent xmlns:mc="http://schemas.openxmlformats.org/markup-compatibility/2006" xmlns:a14="http://schemas.microsoft.com/office/drawing/2010/main">
-        <mc:Choice Requires="a14">
+      <mc:AlternateContent xmlns:mc="http://schemas.openxmlformats.org/markup-compatibility/2006">
+        <mc:Choice xmlns:a14="http://schemas.microsoft.com/office/drawing/2010/main" Requires="a14">
           <p:sp>
             <p:nvSpPr>
               <p:cNvPr id="10" name="TextBox 9"/>
@@ -10928,7 +10937,7 @@
             </p:txBody>
           </p:sp>
         </mc:Choice>
-        <mc:Fallback xmlns="">
+        <mc:Fallback>
           <p:sp>
             <p:nvSpPr>
               <p:cNvPr id="10" name="TextBox 9"/>
@@ -10967,8 +10976,8 @@
           </p:sp>
         </mc:Fallback>
       </mc:AlternateContent>
-      <mc:AlternateContent xmlns:mc="http://schemas.openxmlformats.org/markup-compatibility/2006" xmlns:a14="http://schemas.microsoft.com/office/drawing/2010/main">
-        <mc:Choice Requires="a14">
+      <mc:AlternateContent xmlns:mc="http://schemas.openxmlformats.org/markup-compatibility/2006">
+        <mc:Choice xmlns:a14="http://schemas.microsoft.com/office/drawing/2010/main" Requires="a14">
           <p:sp>
             <p:nvSpPr>
               <p:cNvPr id="11" name="Rectangle 10"/>
@@ -11348,7 +11357,7 @@
             </p:txBody>
           </p:sp>
         </mc:Choice>
-        <mc:Fallback xmlns="">
+        <mc:Fallback>
           <p:sp>
             <p:nvSpPr>
               <p:cNvPr id="11" name="Rectangle 10"/>
@@ -11476,8 +11485,8 @@
           </a:p>
         </p:txBody>
       </p:sp>
-      <mc:AlternateContent xmlns:mc="http://schemas.openxmlformats.org/markup-compatibility/2006" xmlns:a14="http://schemas.microsoft.com/office/drawing/2010/main">
-        <mc:Choice Requires="a14">
+      <mc:AlternateContent xmlns:mc="http://schemas.openxmlformats.org/markup-compatibility/2006">
+        <mc:Choice xmlns:a14="http://schemas.microsoft.com/office/drawing/2010/main" Requires="a14">
           <p:sp>
             <p:nvSpPr>
               <p:cNvPr id="5" name="TextBox 4"/>
@@ -11835,7 +11844,7 @@
             </p:txBody>
           </p:sp>
         </mc:Choice>
-        <mc:Fallback xmlns="">
+        <mc:Fallback>
           <p:sp>
             <p:nvSpPr>
               <p:cNvPr id="5" name="TextBox 4"/>
@@ -11874,8 +11883,8 @@
           </p:sp>
         </mc:Fallback>
       </mc:AlternateContent>
-      <mc:AlternateContent xmlns:mc="http://schemas.openxmlformats.org/markup-compatibility/2006" xmlns:a14="http://schemas.microsoft.com/office/drawing/2010/main">
-        <mc:Choice Requires="a14">
+      <mc:AlternateContent xmlns:mc="http://schemas.openxmlformats.org/markup-compatibility/2006">
+        <mc:Choice xmlns:a14="http://schemas.microsoft.com/office/drawing/2010/main" Requires="a14">
           <p:sp>
             <p:nvSpPr>
               <p:cNvPr id="6" name="Rectangle 5"/>
@@ -11897,6 +11906,7 @@
               </a:bodyPr>
               <a:lstStyle/>
               <a:p>
+                <a:pPr/>
                 <a:r>
                   <a:rPr lang="en-US" dirty="0" smtClean="0">
                     <a:latin typeface="Cambria Math"/>
@@ -12052,12 +12062,13 @@
                 </a:r>
               </a:p>
               <a:p>
+                <a:pPr/>
                 <a:endParaRPr lang="en-US" dirty="0"/>
               </a:p>
             </p:txBody>
           </p:sp>
         </mc:Choice>
-        <mc:Fallback xmlns="">
+        <mc:Fallback>
           <p:sp>
             <p:nvSpPr>
               <p:cNvPr id="6" name="Rectangle 5"/>
@@ -12156,8 +12167,8 @@
           </a:p>
         </p:txBody>
       </p:sp>
-      <mc:AlternateContent xmlns:mc="http://schemas.openxmlformats.org/markup-compatibility/2006" xmlns:a14="http://schemas.microsoft.com/office/drawing/2010/main">
-        <mc:Choice Requires="a14">
+      <mc:AlternateContent xmlns:mc="http://schemas.openxmlformats.org/markup-compatibility/2006">
+        <mc:Choice xmlns:a14="http://schemas.microsoft.com/office/drawing/2010/main" Requires="a14">
           <p:sp>
             <p:nvSpPr>
               <p:cNvPr id="3" name="Content Placeholder 2"/>
@@ -12834,7 +12845,7 @@
             </p:txBody>
           </p:sp>
         </mc:Choice>
-        <mc:Fallback xmlns="">
+        <mc:Fallback>
           <p:sp>
             <p:nvSpPr>
               <p:cNvPr id="3" name="Content Placeholder 2"/>
@@ -12961,8 +12972,8 @@
           </a:p>
         </p:txBody>
       </p:sp>
-      <mc:AlternateContent xmlns:mc="http://schemas.openxmlformats.org/markup-compatibility/2006" xmlns:a14="http://schemas.microsoft.com/office/drawing/2010/main">
-        <mc:Choice Requires="a14">
+      <mc:AlternateContent xmlns:mc="http://schemas.openxmlformats.org/markup-compatibility/2006">
+        <mc:Choice xmlns:a14="http://schemas.microsoft.com/office/drawing/2010/main" Requires="a14">
           <p:sp>
             <p:nvSpPr>
               <p:cNvPr id="3" name="Content Placeholder 2"/>
@@ -13308,7 +13319,7 @@
             </p:txBody>
           </p:sp>
         </mc:Choice>
-        <mc:Fallback xmlns="">
+        <mc:Fallback>
           <p:sp>
             <p:nvSpPr>
               <p:cNvPr id="3" name="Content Placeholder 2"/>
@@ -15862,7 +15873,7 @@
           <a:graphicData uri="http://schemas.openxmlformats.org/presentationml/2006/ole">
             <mc:AlternateContent xmlns:mc="http://schemas.openxmlformats.org/markup-compatibility/2006">
               <mc:Choice xmlns:v="urn:schemas-microsoft-com:vml" Requires="v">
-                <p:oleObj spid="_x0000_s120103" name="Equation" r:id="rId4" imgW="1726920" imgH="457200" progId="Equation.3">
+                <p:oleObj spid="_x0000_s120098" name="Equation" r:id="rId4" imgW="1726920" imgH="457200" progId="Equation.3">
                   <p:embed/>
                 </p:oleObj>
               </mc:Choice>
@@ -15932,7 +15943,7 @@
           <a:graphicData uri="http://schemas.openxmlformats.org/presentationml/2006/ole">
             <mc:AlternateContent xmlns:mc="http://schemas.openxmlformats.org/markup-compatibility/2006">
               <mc:Choice xmlns:v="urn:schemas-microsoft-com:vml" Requires="v">
-                <p:oleObj spid="_x0000_s120104" name="Equation" r:id="rId6" imgW="1574640" imgH="406080" progId="Equation.3">
+                <p:oleObj spid="_x0000_s120099" name="Equation" r:id="rId6" imgW="1574640" imgH="406080" progId="Equation.3">
                   <p:embed/>
                 </p:oleObj>
               </mc:Choice>
@@ -16888,7 +16899,7 @@
           <a:graphicData uri="http://schemas.openxmlformats.org/presentationml/2006/ole">
             <mc:AlternateContent xmlns:mc="http://schemas.openxmlformats.org/markup-compatibility/2006">
               <mc:Choice xmlns:v="urn:schemas-microsoft-com:vml" Requires="v">
-                <p:oleObj spid="_x0000_s120105" name="Equation" r:id="rId9" imgW="634680" imgH="279360" progId="Equation.3">
+                <p:oleObj spid="_x0000_s120100" name="Equation" r:id="rId9" imgW="634680" imgH="279360" progId="Equation.3">
                   <p:embed/>
                 </p:oleObj>
               </mc:Choice>
@@ -17873,7 +17884,7 @@
           <a:graphicData uri="http://schemas.openxmlformats.org/presentationml/2006/ole">
             <mc:AlternateContent xmlns:mc="http://schemas.openxmlformats.org/markup-compatibility/2006">
               <mc:Choice xmlns:v="urn:schemas-microsoft-com:vml" Requires="v">
-                <p:oleObj spid="_x0000_s120106" name="Equation" r:id="rId11" imgW="825500" imgH="482600" progId="Equation.3">
+                <p:oleObj spid="_x0000_s120101" name="Equation" r:id="rId11" imgW="825500" imgH="482600" progId="Equation.3">
                   <p:embed/>
                 </p:oleObj>
               </mc:Choice>
@@ -17948,7 +17959,7 @@
           <a:graphicData uri="http://schemas.openxmlformats.org/presentationml/2006/ole">
             <mc:AlternateContent xmlns:mc="http://schemas.openxmlformats.org/markup-compatibility/2006">
               <mc:Choice xmlns:v="urn:schemas-microsoft-com:vml" Requires="v">
-                <p:oleObj spid="_x0000_s120107" name="Equation" r:id="rId13" imgW="1803240" imgH="838080" progId="Equation.3">
+                <p:oleObj spid="_x0000_s120102" name="Equation" r:id="rId13" imgW="1803240" imgH="838080" progId="Equation.3">
                   <p:embed/>
                 </p:oleObj>
               </mc:Choice>
@@ -19696,7 +19707,7 @@
           <a:graphicData uri="http://schemas.openxmlformats.org/presentationml/2006/ole">
             <mc:AlternateContent xmlns:mc="http://schemas.openxmlformats.org/markup-compatibility/2006">
               <mc:Choice xmlns:v="urn:schemas-microsoft-com:vml" Requires="v">
-                <p:oleObj spid="_x0000_s103926" name="Equation" r:id="rId4" imgW="2679480" imgH="457200" progId="Equation.3">
+                <p:oleObj spid="_x0000_s103923" name="Equation" r:id="rId4" imgW="2679480" imgH="457200" progId="Equation.3">
                   <p:embed/>
                 </p:oleObj>
               </mc:Choice>
@@ -19761,7 +19772,7 @@
           <a:graphicData uri="http://schemas.openxmlformats.org/presentationml/2006/ole">
             <mc:AlternateContent xmlns:mc="http://schemas.openxmlformats.org/markup-compatibility/2006">
               <mc:Choice xmlns:v="urn:schemas-microsoft-com:vml" Requires="v">
-                <p:oleObj spid="_x0000_s103927" name="Equation" r:id="rId6" imgW="2158920" imgH="457200" progId="Equation.3">
+                <p:oleObj spid="_x0000_s103924" name="Equation" r:id="rId6" imgW="2158920" imgH="457200" progId="Equation.3">
                   <p:embed/>
                 </p:oleObj>
               </mc:Choice>
@@ -19874,7 +19885,7 @@
           <a:graphicData uri="http://schemas.openxmlformats.org/presentationml/2006/ole">
             <mc:AlternateContent xmlns:mc="http://schemas.openxmlformats.org/markup-compatibility/2006">
               <mc:Choice xmlns:v="urn:schemas-microsoft-com:vml" Requires="v">
-                <p:oleObj spid="_x0000_s103928" name="Equation" r:id="rId8" imgW="3073320" imgH="1155600" progId="Equation.3">
+                <p:oleObj spid="_x0000_s103925" name="Equation" r:id="rId8" imgW="3073320" imgH="1155600" progId="Equation.3">
                   <p:embed/>
                 </p:oleObj>
               </mc:Choice>
@@ -21342,7 +21353,7 @@
           <a:graphicData uri="http://schemas.openxmlformats.org/presentationml/2006/ole">
             <mc:AlternateContent xmlns:mc="http://schemas.openxmlformats.org/markup-compatibility/2006">
               <mc:Choice xmlns:v="urn:schemas-microsoft-com:vml" Requires="v">
-                <p:oleObj spid="_x0000_s106120" name="Equation" r:id="rId4" imgW="1765080" imgH="457200" progId="Equation.3">
+                <p:oleObj spid="_x0000_s106116" name="Equation" r:id="rId4" imgW="1765080" imgH="457200" progId="Equation.3">
                   <p:embed/>
                 </p:oleObj>
               </mc:Choice>
@@ -21406,7 +21417,7 @@
           <a:graphicData uri="http://schemas.openxmlformats.org/presentationml/2006/ole">
             <mc:AlternateContent xmlns:mc="http://schemas.openxmlformats.org/markup-compatibility/2006">
               <mc:Choice xmlns:v="urn:schemas-microsoft-com:vml" Requires="v">
-                <p:oleObj spid="_x0000_s106121" name="Equation" r:id="rId6" imgW="1955520" imgH="266400" progId="Equation.3">
+                <p:oleObj spid="_x0000_s106117" name="Equation" r:id="rId6" imgW="1955520" imgH="266400" progId="Equation.3">
                   <p:embed/>
                 </p:oleObj>
               </mc:Choice>
@@ -22043,7 +22054,7 @@
             <a:graphicData uri="http://schemas.openxmlformats.org/presentationml/2006/ole">
               <mc:AlternateContent xmlns:mc="http://schemas.openxmlformats.org/markup-compatibility/2006">
                 <mc:Choice xmlns:v="urn:schemas-microsoft-com:vml" Requires="v">
-                  <p:oleObj spid="_x0000_s106122" name="Equation" r:id="rId8" imgW="469800" imgH="190440" progId="Equation.3">
+                  <p:oleObj spid="_x0000_s106118" name="Equation" r:id="rId8" imgW="469800" imgH="190440" progId="Equation.3">
                     <p:embed/>
                   </p:oleObj>
                 </mc:Choice>
@@ -23185,7 +23196,7 @@
           <a:graphicData uri="http://schemas.openxmlformats.org/presentationml/2006/ole">
             <mc:AlternateContent xmlns:mc="http://schemas.openxmlformats.org/markup-compatibility/2006">
               <mc:Choice xmlns:v="urn:schemas-microsoft-com:vml" Requires="v">
-                <p:oleObj spid="_x0000_s106123" name="Equation" r:id="rId10" imgW="2628720" imgH="1155600" progId="Equation.3">
+                <p:oleObj spid="_x0000_s106119" name="Equation" r:id="rId10" imgW="2628720" imgH="1155600" progId="Equation.3">
                   <p:embed/>
                 </p:oleObj>
               </mc:Choice>
@@ -24093,7 +24104,7 @@
           <a:graphicData uri="http://schemas.openxmlformats.org/presentationml/2006/ole">
             <mc:AlternateContent xmlns:mc="http://schemas.openxmlformats.org/markup-compatibility/2006">
               <mc:Choice xmlns:v="urn:schemas-microsoft-com:vml" Requires="v">
-                <p:oleObj spid="_x0000_s120883" name="Equation" r:id="rId3" imgW="1574640" imgH="406080" progId="Equation.3">
+                <p:oleObj spid="_x0000_s120882" name="Equation" r:id="rId3" imgW="1574640" imgH="406080" progId="Equation.3">
                   <p:embed/>
                 </p:oleObj>
               </mc:Choice>
@@ -27123,7 +27134,7 @@
           <a:graphicData uri="http://schemas.openxmlformats.org/presentationml/2006/ole">
             <mc:AlternateContent xmlns:mc="http://schemas.openxmlformats.org/markup-compatibility/2006">
               <mc:Choice xmlns:v="urn:schemas-microsoft-com:vml" Requires="v">
-                <p:oleObj spid="_x0000_s104785" name="Equation" r:id="rId4" imgW="2628720" imgH="1155600" progId="Equation.3">
+                <p:oleObj spid="_x0000_s104783" name="Equation" r:id="rId4" imgW="2628720" imgH="1155600" progId="Equation.3">
                   <p:embed/>
                 </p:oleObj>
               </mc:Choice>
@@ -27193,7 +27204,7 @@
           <a:graphicData uri="http://schemas.openxmlformats.org/presentationml/2006/ole">
             <mc:AlternateContent xmlns:mc="http://schemas.openxmlformats.org/markup-compatibility/2006">
               <mc:Choice xmlns:v="urn:schemas-microsoft-com:vml" Requires="v">
-                <p:oleObj spid="_x0000_s104786" name="Equation" r:id="rId6" imgW="1726920" imgH="457200" progId="Equation.3">
+                <p:oleObj spid="_x0000_s104784" name="Equation" r:id="rId6" imgW="1726920" imgH="457200" progId="Equation.3">
                   <p:embed/>
                 </p:oleObj>
               </mc:Choice>
@@ -27467,7 +27478,7 @@
           <a:graphicData uri="http://schemas.openxmlformats.org/presentationml/2006/ole">
             <mc:AlternateContent xmlns:mc="http://schemas.openxmlformats.org/markup-compatibility/2006">
               <mc:Choice xmlns:v="urn:schemas-microsoft-com:vml" Requires="v">
-                <p:oleObj spid="_x0000_s82567" name="Equation" r:id="rId4" imgW="1625400" imgH="469800" progId="Equation.3">
+                <p:oleObj spid="_x0000_s82564" name="Equation" r:id="rId4" imgW="1625400" imgH="469800" progId="Equation.3">
                   <p:embed/>
                 </p:oleObj>
               </mc:Choice>
@@ -27713,7 +27724,7 @@
           <a:graphicData uri="http://schemas.openxmlformats.org/presentationml/2006/ole">
             <mc:AlternateContent xmlns:mc="http://schemas.openxmlformats.org/markup-compatibility/2006">
               <mc:Choice xmlns:v="urn:schemas-microsoft-com:vml" Requires="v">
-                <p:oleObj spid="_x0000_s82568" name="Equation" r:id="rId6" imgW="2819160" imgH="469800" progId="Equation.3">
+                <p:oleObj spid="_x0000_s82565" name="Equation" r:id="rId6" imgW="2819160" imgH="469800" progId="Equation.3">
                   <p:embed/>
                 </p:oleObj>
               </mc:Choice>
@@ -27994,7 +28005,7 @@
           <a:graphicData uri="http://schemas.openxmlformats.org/presentationml/2006/ole">
             <mc:AlternateContent xmlns:mc="http://schemas.openxmlformats.org/markup-compatibility/2006">
               <mc:Choice xmlns:v="urn:schemas-microsoft-com:vml" Requires="v">
-                <p:oleObj spid="_x0000_s82569" name="Equation" r:id="rId8" imgW="1104840" imgH="444240" progId="Equation.3">
+                <p:oleObj spid="_x0000_s82566" name="Equation" r:id="rId8" imgW="1104840" imgH="444240" progId="Equation.3">
                   <p:embed/>
                 </p:oleObj>
               </mc:Choice>
@@ -28316,7 +28327,7 @@
           <a:graphicData uri="http://schemas.openxmlformats.org/presentationml/2006/ole">
             <mc:AlternateContent xmlns:mc="http://schemas.openxmlformats.org/markup-compatibility/2006">
               <mc:Choice xmlns:v="urn:schemas-microsoft-com:vml" Requires="v">
-                <p:oleObj spid="_x0000_s83575" name="Equation" r:id="rId3" imgW="1104840" imgH="444240" progId="Equation.3">
+                <p:oleObj spid="_x0000_s83572" name="Equation" r:id="rId3" imgW="1104840" imgH="444240" progId="Equation.3">
                   <p:embed/>
                 </p:oleObj>
               </mc:Choice>
@@ -28549,7 +28560,7 @@
           <a:graphicData uri="http://schemas.openxmlformats.org/presentationml/2006/ole">
             <mc:AlternateContent xmlns:mc="http://schemas.openxmlformats.org/markup-compatibility/2006">
               <mc:Choice xmlns:v="urn:schemas-microsoft-com:vml" Requires="v">
-                <p:oleObj spid="_x0000_s83576" name="Equation" r:id="rId5" imgW="698400" imgH="203040" progId="Equation.3">
+                <p:oleObj spid="_x0000_s83573" name="Equation" r:id="rId5" imgW="698400" imgH="203040" progId="Equation.3">
                   <p:embed/>
                 </p:oleObj>
               </mc:Choice>
@@ -28632,7 +28643,7 @@
           <a:graphicData uri="http://schemas.openxmlformats.org/presentationml/2006/ole">
             <mc:AlternateContent xmlns:mc="http://schemas.openxmlformats.org/markup-compatibility/2006">
               <mc:Choice xmlns:v="urn:schemas-microsoft-com:vml" Requires="v">
-                <p:oleObj spid="_x0000_s83577" name="Equation" r:id="rId7" imgW="2806560" imgH="469800" progId="Equation.3">
+                <p:oleObj spid="_x0000_s83574" name="Equation" r:id="rId7" imgW="2806560" imgH="469800" progId="Equation.3">
                   <p:embed/>
                 </p:oleObj>
               </mc:Choice>
@@ -28940,7 +28951,7 @@
           <a:graphicData uri="http://schemas.openxmlformats.org/presentationml/2006/ole">
             <mc:AlternateContent xmlns:mc="http://schemas.openxmlformats.org/markup-compatibility/2006">
               <mc:Choice xmlns:v="urn:schemas-microsoft-com:vml" Requires="v">
-                <p:oleObj spid="_x0000_s84804" name="Equation" r:id="rId3" imgW="1104840" imgH="888840" progId="Equation.3">
+                <p:oleObj spid="_x0000_s84800" name="Equation" r:id="rId3" imgW="1104840" imgH="888840" progId="Equation.3">
                   <p:embed/>
                 </p:oleObj>
               </mc:Choice>
@@ -29023,7 +29034,7 @@
           <a:graphicData uri="http://schemas.openxmlformats.org/presentationml/2006/ole">
             <mc:AlternateContent xmlns:mc="http://schemas.openxmlformats.org/markup-compatibility/2006">
               <mc:Choice xmlns:v="urn:schemas-microsoft-com:vml" Requires="v">
-                <p:oleObj spid="_x0000_s84805" name="Equation" r:id="rId5" imgW="1091880" imgH="888840" progId="Equation.3">
+                <p:oleObj spid="_x0000_s84801" name="Equation" r:id="rId5" imgW="1091880" imgH="888840" progId="Equation.3">
                   <p:embed/>
                 </p:oleObj>
               </mc:Choice>
@@ -29304,7 +29315,7 @@
           <a:graphicData uri="http://schemas.openxmlformats.org/presentationml/2006/ole">
             <mc:AlternateContent xmlns:mc="http://schemas.openxmlformats.org/markup-compatibility/2006">
               <mc:Choice xmlns:v="urn:schemas-microsoft-com:vml" Requires="v">
-                <p:oleObj spid="_x0000_s84806" name="Equation" r:id="rId7" imgW="838080" imgH="495000" progId="Equation.3">
+                <p:oleObj spid="_x0000_s84802" name="Equation" r:id="rId7" imgW="838080" imgH="495000" progId="Equation.3">
                   <p:embed/>
                 </p:oleObj>
               </mc:Choice>
@@ -29370,7 +29381,7 @@
           <a:graphicData uri="http://schemas.openxmlformats.org/presentationml/2006/ole">
             <mc:AlternateContent xmlns:mc="http://schemas.openxmlformats.org/markup-compatibility/2006">
               <mc:Choice xmlns:v="urn:schemas-microsoft-com:vml" Requires="v">
-                <p:oleObj spid="_x0000_s84807" name="Equation" r:id="rId9" imgW="215640" imgH="164880" progId="Equation.3">
+                <p:oleObj spid="_x0000_s84803" name="Equation" r:id="rId9" imgW="215640" imgH="164880" progId="Equation.3">
                   <p:embed/>
                 </p:oleObj>
               </mc:Choice>
@@ -29557,7 +29568,7 @@
           <a:graphicData uri="http://schemas.openxmlformats.org/presentationml/2006/ole">
             <mc:AlternateContent xmlns:mc="http://schemas.openxmlformats.org/markup-compatibility/2006">
               <mc:Choice xmlns:v="urn:schemas-microsoft-com:vml" Requires="v">
-                <p:oleObj spid="_x0000_s85206" name="Equation" r:id="rId3" imgW="952200" imgH="520560" progId="Equation.3">
+                <p:oleObj spid="_x0000_s85205" name="Equation" r:id="rId3" imgW="952200" imgH="520560" progId="Equation.3">
                   <p:embed/>
                 </p:oleObj>
               </mc:Choice>
@@ -29735,7 +29746,7 @@
             <a:graphicData uri="http://schemas.openxmlformats.org/presentationml/2006/ole">
               <mc:AlternateContent xmlns:mc="http://schemas.openxmlformats.org/markup-compatibility/2006">
                 <mc:Choice xmlns:v="urn:schemas-microsoft-com:vml" Requires="v">
-                  <p:oleObj spid="_x0000_s86849" name="Equation" r:id="rId3" imgW="825500" imgH="482600" progId="Equation.3">
+                  <p:oleObj spid="_x0000_s86845" name="Equation" r:id="rId3" imgW="825500" imgH="482600" progId="Equation.3">
                     <p:embed/>
                   </p:oleObj>
                 </mc:Choice>
@@ -29819,7 +29830,7 @@
             <a:graphicData uri="http://schemas.openxmlformats.org/presentationml/2006/ole">
               <mc:AlternateContent xmlns:mc="http://schemas.openxmlformats.org/markup-compatibility/2006">
                 <mc:Choice xmlns:v="urn:schemas-microsoft-com:vml" Requires="v">
-                  <p:oleObj spid="_x0000_s86850" name="Equation" r:id="rId5" imgW="139680" imgH="177480" progId="Equation.3">
+                  <p:oleObj spid="_x0000_s86846" name="Equation" r:id="rId5" imgW="139680" imgH="177480" progId="Equation.3">
                     <p:embed/>
                   </p:oleObj>
                 </mc:Choice>
@@ -29883,7 +29894,7 @@
             <a:graphicData uri="http://schemas.openxmlformats.org/presentationml/2006/ole">
               <mc:AlternateContent xmlns:mc="http://schemas.openxmlformats.org/markup-compatibility/2006">
                 <mc:Choice xmlns:v="urn:schemas-microsoft-com:vml" Requires="v">
-                  <p:oleObj spid="_x0000_s86851" name="Equation" r:id="rId7" imgW="139680" imgH="177480" progId="Equation.3">
+                  <p:oleObj spid="_x0000_s86847" name="Equation" r:id="rId7" imgW="139680" imgH="177480" progId="Equation.3">
                     <p:embed/>
                   </p:oleObj>
                 </mc:Choice>
@@ -29947,7 +29958,7 @@
             <a:graphicData uri="http://schemas.openxmlformats.org/presentationml/2006/ole">
               <mc:AlternateContent xmlns:mc="http://schemas.openxmlformats.org/markup-compatibility/2006">
                 <mc:Choice xmlns:v="urn:schemas-microsoft-com:vml" Requires="v">
-                  <p:oleObj spid="_x0000_s86852" name="Equation" r:id="rId9" imgW="139680" imgH="203040" progId="Equation.3">
+                  <p:oleObj spid="_x0000_s86848" name="Equation" r:id="rId9" imgW="139680" imgH="203040" progId="Equation.3">
                     <p:embed/>
                   </p:oleObj>
                 </mc:Choice>
@@ -30211,7 +30222,7 @@
             <a:graphicData uri="http://schemas.openxmlformats.org/presentationml/2006/ole">
               <mc:AlternateContent xmlns:mc="http://schemas.openxmlformats.org/markup-compatibility/2006">
                 <mc:Choice xmlns:v="urn:schemas-microsoft-com:vml" Requires="v">
-                  <p:oleObj spid="_x0000_s122099" name="Equation" r:id="rId3" imgW="825500" imgH="482600" progId="Equation.3">
+                  <p:oleObj spid="_x0000_s122093" name="Equation" r:id="rId3" imgW="825500" imgH="482600" progId="Equation.3">
                     <p:embed/>
                   </p:oleObj>
                 </mc:Choice>
@@ -30286,7 +30297,7 @@
             <a:graphicData uri="http://schemas.openxmlformats.org/presentationml/2006/ole">
               <mc:AlternateContent xmlns:mc="http://schemas.openxmlformats.org/markup-compatibility/2006">
                 <mc:Choice xmlns:v="urn:schemas-microsoft-com:vml" Requires="v">
-                  <p:oleObj spid="_x0000_s122100" name="Equation" r:id="rId5" imgW="139680" imgH="177480" progId="Equation.3">
+                  <p:oleObj spid="_x0000_s122094" name="Equation" r:id="rId5" imgW="139680" imgH="177480" progId="Equation.3">
                     <p:embed/>
                   </p:oleObj>
                 </mc:Choice>
@@ -30380,7 +30391,7 @@
             <a:graphicData uri="http://schemas.openxmlformats.org/presentationml/2006/ole">
               <mc:AlternateContent xmlns:mc="http://schemas.openxmlformats.org/markup-compatibility/2006">
                 <mc:Choice xmlns:v="urn:schemas-microsoft-com:vml" Requires="v">
-                  <p:oleObj spid="_x0000_s122101" name="Equation" r:id="rId7" imgW="139680" imgH="203040" progId="Equation.3">
+                  <p:oleObj spid="_x0000_s122095" name="Equation" r:id="rId7" imgW="139680" imgH="203040" progId="Equation.3">
                     <p:embed/>
                   </p:oleObj>
                 </mc:Choice>
@@ -30509,7 +30520,7 @@
             <a:graphicData uri="http://schemas.openxmlformats.org/presentationml/2006/ole">
               <mc:AlternateContent xmlns:mc="http://schemas.openxmlformats.org/markup-compatibility/2006">
                 <mc:Choice xmlns:v="urn:schemas-microsoft-com:vml" Requires="v">
-                  <p:oleObj spid="_x0000_s122102" name="Equation" r:id="rId9" imgW="1803240" imgH="838080" progId="Equation.3">
+                  <p:oleObj spid="_x0000_s122096" name="Equation" r:id="rId9" imgW="1803240" imgH="838080" progId="Equation.3">
                     <p:embed/>
                   </p:oleObj>
                 </mc:Choice>
@@ -30578,7 +30589,7 @@
             <a:graphicData uri="http://schemas.openxmlformats.org/presentationml/2006/ole">
               <mc:AlternateContent xmlns:mc="http://schemas.openxmlformats.org/markup-compatibility/2006">
                 <mc:Choice xmlns:v="urn:schemas-microsoft-com:vml" Requires="v">
-                  <p:oleObj spid="_x0000_s122103" name="Equation" r:id="rId11" imgW="152280" imgH="190440" progId="Equation.3">
+                  <p:oleObj spid="_x0000_s122097" name="Equation" r:id="rId11" imgW="152280" imgH="190440" progId="Equation.3">
                     <p:embed/>
                   </p:oleObj>
                 </mc:Choice>
@@ -30642,7 +30653,7 @@
             <a:graphicData uri="http://schemas.openxmlformats.org/presentationml/2006/ole">
               <mc:AlternateContent xmlns:mc="http://schemas.openxmlformats.org/markup-compatibility/2006">
                 <mc:Choice xmlns:v="urn:schemas-microsoft-com:vml" Requires="v">
-                  <p:oleObj spid="_x0000_s122104" name="Equation" r:id="rId13" imgW="139680" imgH="203040" progId="Equation.3">
+                  <p:oleObj spid="_x0000_s122098" name="Equation" r:id="rId13" imgW="139680" imgH="203040" progId="Equation.3">
                     <p:embed/>
                   </p:oleObj>
                 </mc:Choice>
@@ -32895,7 +32906,7 @@
           <a:graphicData uri="http://schemas.openxmlformats.org/presentationml/2006/ole">
             <mc:AlternateContent xmlns:mc="http://schemas.openxmlformats.org/markup-compatibility/2006">
               <mc:Choice xmlns:v="urn:schemas-microsoft-com:vml" Requires="v">
-                <p:oleObj spid="_x0000_s92998" name="Equation" r:id="rId4" imgW="1726920" imgH="457200" progId="Equation.3">
+                <p:oleObj spid="_x0000_s92993" name="Equation" r:id="rId4" imgW="1726920" imgH="457200" progId="Equation.3">
                   <p:embed/>
                 </p:oleObj>
               </mc:Choice>
@@ -32978,7 +32989,7 @@
           <a:graphicData uri="http://schemas.openxmlformats.org/presentationml/2006/ole">
             <mc:AlternateContent xmlns:mc="http://schemas.openxmlformats.org/markup-compatibility/2006">
               <mc:Choice xmlns:v="urn:schemas-microsoft-com:vml" Requires="v">
-                <p:oleObj spid="_x0000_s92999" name="Equation" r:id="rId6" imgW="1714320" imgH="876240" progId="Equation.3">
+                <p:oleObj spid="_x0000_s92994" name="Equation" r:id="rId6" imgW="1714320" imgH="876240" progId="Equation.3">
                   <p:embed/>
                 </p:oleObj>
               </mc:Choice>
@@ -33615,7 +33626,7 @@
             <a:graphicData uri="http://schemas.openxmlformats.org/presentationml/2006/ole">
               <mc:AlternateContent xmlns:mc="http://schemas.openxmlformats.org/markup-compatibility/2006">
                 <mc:Choice xmlns:v="urn:schemas-microsoft-com:vml" Requires="v">
-                  <p:oleObj spid="_x0000_s93000" name="Equation" r:id="rId8" imgW="469800" imgH="190440" progId="Equation.3">
+                  <p:oleObj spid="_x0000_s92995" name="Equation" r:id="rId8" imgW="469800" imgH="190440" progId="Equation.3">
                     <p:embed/>
                   </p:oleObj>
                 </mc:Choice>
@@ -34539,7 +34550,7 @@
           <a:graphicData uri="http://schemas.openxmlformats.org/presentationml/2006/ole">
             <mc:AlternateContent xmlns:mc="http://schemas.openxmlformats.org/markup-compatibility/2006">
               <mc:Choice xmlns:v="urn:schemas-microsoft-com:vml" Requires="v">
-                <p:oleObj spid="_x0000_s93001" name="Equation" r:id="rId10" imgW="1777680" imgH="457200" progId="Equation.3">
+                <p:oleObj spid="_x0000_s92996" name="Equation" r:id="rId10" imgW="1777680" imgH="457200" progId="Equation.3">
                   <p:embed/>
                 </p:oleObj>
               </mc:Choice>
@@ -34668,7 +34679,7 @@
           <a:graphicData uri="http://schemas.openxmlformats.org/presentationml/2006/ole">
             <mc:AlternateContent xmlns:mc="http://schemas.openxmlformats.org/markup-compatibility/2006">
               <mc:Choice xmlns:v="urn:schemas-microsoft-com:vml" Requires="v">
-                <p:oleObj spid="_x0000_s93002" name="Equation" r:id="rId12" imgW="1257120" imgH="495000" progId="Equation.3">
+                <p:oleObj spid="_x0000_s92997" name="Equation" r:id="rId12" imgW="1257120" imgH="495000" progId="Equation.3">
                   <p:embed/>
                 </p:oleObj>
               </mc:Choice>
@@ -37854,7 +37865,7 @@
           <a:graphicData uri="http://schemas.openxmlformats.org/presentationml/2006/ole">
             <mc:AlternateContent xmlns:mc="http://schemas.openxmlformats.org/markup-compatibility/2006">
               <mc:Choice xmlns:v="urn:schemas-microsoft-com:vml" Requires="v">
-                <p:oleObj spid="_x0000_s118345" name="Equation" r:id="rId4" imgW="1282680" imgH="457200" progId="Equation.3">
+                <p:oleObj spid="_x0000_s118337" name="Equation" r:id="rId4" imgW="1282680" imgH="457200" progId="Equation.3">
                   <p:embed/>
                 </p:oleObj>
               </mc:Choice>
@@ -38147,7 +38158,7 @@
             <a:graphicData uri="http://schemas.openxmlformats.org/presentationml/2006/ole">
               <mc:AlternateContent xmlns:mc="http://schemas.openxmlformats.org/markup-compatibility/2006">
                 <mc:Choice xmlns:v="urn:schemas-microsoft-com:vml" Requires="v">
-                  <p:oleObj spid="_x0000_s118346" name="Equation" r:id="rId6" imgW="1498320" imgH="876240" progId="Equation.3">
+                  <p:oleObj spid="_x0000_s118338" name="Equation" r:id="rId6" imgW="1498320" imgH="876240" progId="Equation.3">
                     <p:embed/>
                   </p:oleObj>
                 </mc:Choice>
@@ -38213,7 +38224,7 @@
             <a:graphicData uri="http://schemas.openxmlformats.org/presentationml/2006/ole">
               <mc:AlternateContent xmlns:mc="http://schemas.openxmlformats.org/markup-compatibility/2006">
                 <mc:Choice xmlns:v="urn:schemas-microsoft-com:vml" Requires="v">
-                  <p:oleObj spid="_x0000_s118347" name="Equation" r:id="rId8" imgW="126720" imgH="152280" progId="Equation.3">
+                  <p:oleObj spid="_x0000_s118339" name="Equation" r:id="rId8" imgW="126720" imgH="152280" progId="Equation.3">
                     <p:embed/>
                   </p:oleObj>
                 </mc:Choice>
@@ -38307,7 +38318,7 @@
             <a:graphicData uri="http://schemas.openxmlformats.org/presentationml/2006/ole">
               <mc:AlternateContent xmlns:mc="http://schemas.openxmlformats.org/markup-compatibility/2006">
                 <mc:Choice xmlns:v="urn:schemas-microsoft-com:vml" Requires="v">
-                  <p:oleObj spid="_x0000_s118348" name="Equation" r:id="rId10" imgW="139680" imgH="190440" progId="Equation.3">
+                  <p:oleObj spid="_x0000_s118340" name="Equation" r:id="rId10" imgW="139680" imgH="190440" progId="Equation.3">
                     <p:embed/>
                   </p:oleObj>
                 </mc:Choice>
@@ -38435,7 +38446,7 @@
             <a:graphicData uri="http://schemas.openxmlformats.org/presentationml/2006/ole">
               <mc:AlternateContent xmlns:mc="http://schemas.openxmlformats.org/markup-compatibility/2006">
                 <mc:Choice xmlns:v="urn:schemas-microsoft-com:vml" Requires="v">
-                  <p:oleObj spid="_x0000_s118349" name="Equation" r:id="rId12" imgW="126720" imgH="152280" progId="Equation.3">
+                  <p:oleObj spid="_x0000_s118341" name="Equation" r:id="rId12" imgW="126720" imgH="152280" progId="Equation.3">
                     <p:embed/>
                   </p:oleObj>
                 </mc:Choice>
@@ -38529,7 +38540,7 @@
             <a:graphicData uri="http://schemas.openxmlformats.org/presentationml/2006/ole">
               <mc:AlternateContent xmlns:mc="http://schemas.openxmlformats.org/markup-compatibility/2006">
                 <mc:Choice xmlns:v="urn:schemas-microsoft-com:vml" Requires="v">
-                  <p:oleObj spid="_x0000_s118350" name="Equation" r:id="rId14" imgW="139680" imgH="190440" progId="Equation.3">
+                  <p:oleObj spid="_x0000_s118342" name="Equation" r:id="rId14" imgW="139680" imgH="190440" progId="Equation.3">
                     <p:embed/>
                   </p:oleObj>
                 </mc:Choice>
@@ -38644,7 +38655,7 @@
             <a:graphicData uri="http://schemas.openxmlformats.org/presentationml/2006/ole">
               <mc:AlternateContent xmlns:mc="http://schemas.openxmlformats.org/markup-compatibility/2006">
                 <mc:Choice xmlns:v="urn:schemas-microsoft-com:vml" Requires="v">
-                  <p:oleObj spid="_x0000_s118351" name="Equation" r:id="rId16" imgW="2603160" imgH="1130040" progId="Equation.3">
+                  <p:oleObj spid="_x0000_s118343" name="Equation" r:id="rId16" imgW="2603160" imgH="1130040" progId="Equation.3">
                     <p:embed/>
                   </p:oleObj>
                 </mc:Choice>
@@ -40145,7 +40156,7 @@
           <a:graphicData uri="http://schemas.openxmlformats.org/presentationml/2006/ole">
             <mc:AlternateContent xmlns:mc="http://schemas.openxmlformats.org/markup-compatibility/2006">
               <mc:Choice xmlns:v="urn:schemas-microsoft-com:vml" Requires="v">
-                <p:oleObj spid="_x0000_s118352" name="Equation" r:id="rId19" imgW="1777680" imgH="457200" progId="Equation.3">
+                <p:oleObj spid="_x0000_s118344" name="Equation" r:id="rId19" imgW="1777680" imgH="457200" progId="Equation.3">
                   <p:embed/>
                 </p:oleObj>
               </mc:Choice>
@@ -47118,8 +47129,8 @@
           </a:p>
         </p:txBody>
       </p:sp>
-      <mc:AlternateContent xmlns:mc="http://schemas.openxmlformats.org/markup-compatibility/2006" xmlns:a14="http://schemas.microsoft.com/office/drawing/2010/main">
-        <mc:Choice Requires="a14">
+      <mc:AlternateContent xmlns:mc="http://schemas.openxmlformats.org/markup-compatibility/2006">
+        <mc:Choice xmlns:a14="http://schemas.microsoft.com/office/drawing/2010/main" Requires="a14">
           <p:sp>
             <p:nvSpPr>
               <p:cNvPr id="5" name="TextBox 4"/>
@@ -47142,6 +47153,7 @@
               </a:bodyPr>
               <a:lstStyle/>
               <a:p>
+                <a:pPr/>
                 <a14:m>
                   <m:oMath xmlns:m="http://schemas.openxmlformats.org/officeDocument/2006/math">
                     <m:sSub>
@@ -47538,6 +47550,7 @@
                 </a:endParaRPr>
               </a:p>
               <a:p>
+                <a:pPr/>
                 <a:r>
                   <a:rPr lang="en-US" dirty="0"/>
                   <a:t>w</a:t>
@@ -47984,6 +47997,7 @@
                 <a:endParaRPr lang="en-US" dirty="0"/>
               </a:p>
               <a:p>
+                <a:pPr/>
                 <a14:m>
                   <m:oMath xmlns:m="http://schemas.openxmlformats.org/officeDocument/2006/math">
                     <m:sSub>
@@ -48026,7 +48040,7 @@
             </p:txBody>
           </p:sp>
         </mc:Choice>
-        <mc:Fallback xmlns="">
+        <mc:Fallback>
           <p:sp>
             <p:nvSpPr>
               <p:cNvPr id="5" name="TextBox 4"/>
@@ -48065,8 +48079,8 @@
           </p:sp>
         </mc:Fallback>
       </mc:AlternateContent>
-      <mc:AlternateContent xmlns:mc="http://schemas.openxmlformats.org/markup-compatibility/2006" xmlns:a14="http://schemas.microsoft.com/office/drawing/2010/main">
-        <mc:Choice Requires="a14">
+      <mc:AlternateContent xmlns:mc="http://schemas.openxmlformats.org/markup-compatibility/2006">
+        <mc:Choice xmlns:a14="http://schemas.microsoft.com/office/drawing/2010/main" Requires="a14">
           <p:sp>
             <p:nvSpPr>
               <p:cNvPr id="8" name="TextBox 7"/>
@@ -48089,6 +48103,7 @@
               </a:bodyPr>
               <a:lstStyle/>
               <a:p>
+                <a:pPr/>
                 <a:r>
                   <a:rPr lang="en-US" b="0" dirty="0" smtClean="0"/>
                   <a:t>Define another useful relationship:  </a:t>
@@ -48261,7 +48276,7 @@
             </p:txBody>
           </p:sp>
         </mc:Choice>
-        <mc:Fallback xmlns="">
+        <mc:Fallback>
           <p:sp>
             <p:nvSpPr>
               <p:cNvPr id="8" name="TextBox 7"/>
@@ -48471,8 +48486,8 @@
           </a:p>
         </p:txBody>
       </p:sp>
-      <mc:AlternateContent xmlns:mc="http://schemas.openxmlformats.org/markup-compatibility/2006" xmlns:a14="http://schemas.microsoft.com/office/drawing/2010/main">
-        <mc:Choice Requires="a14">
+      <mc:AlternateContent xmlns:mc="http://schemas.openxmlformats.org/markup-compatibility/2006">
+        <mc:Choice xmlns:a14="http://schemas.microsoft.com/office/drawing/2010/main" Requires="a14">
           <p:sp>
             <p:nvSpPr>
               <p:cNvPr id="5" name="TextBox 4"/>
@@ -48495,6 +48510,7 @@
               </a:bodyPr>
               <a:lstStyle/>
               <a:p>
+                <a:pPr/>
                 <a:r>
                   <a:rPr lang="en-US" dirty="0" smtClean="0">
                     <a:latin typeface="Cambria Math"/>
@@ -48541,11 +48557,13 @@
                 </a:endParaRPr>
               </a:p>
               <a:p>
+                <a:pPr/>
                 <a:endParaRPr lang="en-US" i="1" dirty="0" smtClean="0">
                   <a:latin typeface="Cambria Math"/>
                 </a:endParaRPr>
               </a:p>
               <a:p>
+                <a:pPr/>
                 <a14:m>
                   <m:oMath xmlns:m="http://schemas.openxmlformats.org/officeDocument/2006/math">
                     <m:sSub>
@@ -48581,6 +48599,7 @@
                 </a:r>
               </a:p>
               <a:p>
+                <a:pPr/>
                 <a14:m>
                   <m:oMath xmlns:m="http://schemas.openxmlformats.org/officeDocument/2006/math">
                     <m:r>
@@ -48765,9 +48784,11 @@
                 <a:endParaRPr lang="en-US" dirty="0"/>
               </a:p>
               <a:p>
+                <a:pPr/>
                 <a:endParaRPr lang="en-US" dirty="0"/>
               </a:p>
               <a:p>
+                <a:pPr/>
                 <a:r>
                   <a:rPr lang="en-US" dirty="0" smtClean="0"/>
                   <a:t>The gas generator that supplies the air flow, </a:t>
@@ -48807,15 +48828,18 @@
                 </a:r>
               </a:p>
               <a:p>
+                <a:pPr/>
                 <a:r>
                   <a:rPr lang="en-US" dirty="0" smtClean="0"/>
                   <a:t>square law thrust well known:</a:t>
                 </a:r>
               </a:p>
               <a:p>
+                <a:pPr/>
                 <a:endParaRPr lang="en-US" dirty="0"/>
               </a:p>
               <a:p>
+                <a:pPr/>
                 <a14:m>
                   <m:oMath xmlns:m="http://schemas.openxmlformats.org/officeDocument/2006/math">
                     <m:r>
@@ -48889,6 +48913,7 @@
                 <a:endParaRPr lang="en-US" dirty="0"/>
               </a:p>
               <a:p>
+                <a:pPr/>
                 <a14:m>
                   <m:oMath xmlns:m="http://schemas.openxmlformats.org/officeDocument/2006/math">
                     <m:r>
@@ -48973,6 +48998,7 @@
                 </a:r>
               </a:p>
               <a:p>
+                <a:pPr/>
                 <a14:m>
                   <m:oMath xmlns:m="http://schemas.openxmlformats.org/officeDocument/2006/math">
                     <m:sSup>
@@ -49070,12 +49096,14 @@
                 </a:r>
               </a:p>
               <a:p>
+                <a:pPr/>
                 <a:r>
                   <a:rPr lang="en-US" dirty="0" smtClean="0"/>
                   <a:t>where </a:t>
                 </a:r>
               </a:p>
               <a:p>
+                <a:pPr/>
                 <a14:m>
                   <m:oMath xmlns:m="http://schemas.openxmlformats.org/officeDocument/2006/math">
                     <m:sSub>
@@ -49114,12 +49142,14 @@
                 </a:r>
               </a:p>
               <a:p>
+                <a:pPr/>
                 <a:r>
                   <a:rPr lang="en-US" dirty="0" smtClean="0"/>
                   <a:t>A 	= cross-sectional area of wind field, m^2,</a:t>
                 </a:r>
               </a:p>
               <a:p>
+                <a:pPr/>
                 <a:r>
                   <a:rPr lang="en-US" dirty="0" smtClean="0"/>
                   <a:t>T 	= air thrust with stationary gas generator fan,</a:t>
@@ -49240,6 +49270,7 @@
                 <a:endParaRPr lang="en-US" dirty="0"/>
               </a:p>
               <a:p>
+                <a:pPr/>
                 <a14:m>
                   <m:oMath xmlns:m="http://schemas.openxmlformats.org/officeDocument/2006/math">
                     <m:sSub>
@@ -49327,6 +49358,7 @@
                 </a:r>
               </a:p>
               <a:p>
+                <a:pPr/>
                 <a14:m>
                   <m:oMath xmlns:m="http://schemas.openxmlformats.org/officeDocument/2006/math">
                     <m:sSub>
@@ -49412,11 +49444,12 @@
                   <a:rPr lang="en-US" dirty="0" smtClean="0"/>
                   <a:t>. </a:t>
                 </a:r>
+                <a:endParaRPr lang="en-US" dirty="0" smtClean="0"/>
               </a:p>
             </p:txBody>
           </p:sp>
         </mc:Choice>
-        <mc:Fallback xmlns="">
+        <mc:Fallback>
           <p:sp>
             <p:nvSpPr>
               <p:cNvPr id="5" name="TextBox 4"/>
